--- a/project/report/figs/figures.pptx
+++ b/project/report/figs/figures.pptx
@@ -200,7 +200,7 @@
           <a:p>
             <a:fld id="{07735B7D-691B-A645-AECB-1CB4A0599BB1}" type="datetimeFigureOut">
               <a:rPr lang="en-US" smtClean="0"/>
-              <a:t>12/12/16</a:t>
+              <a:t>12/13/16</a:t>
             </a:fld>
             <a:endParaRPr lang="en-US"/>
           </a:p>
@@ -683,7 +683,7 @@
           <a:p>
             <a:fld id="{A5CA8D2D-2FB3-1F4F-A208-DE9D88035EAD}" type="datetimeFigureOut">
               <a:rPr lang="en-US" smtClean="0"/>
-              <a:t>12/12/16</a:t>
+              <a:t>12/13/16</a:t>
             </a:fld>
             <a:endParaRPr lang="en-US"/>
           </a:p>
@@ -853,7 +853,7 @@
           <a:p>
             <a:fld id="{A5CA8D2D-2FB3-1F4F-A208-DE9D88035EAD}" type="datetimeFigureOut">
               <a:rPr lang="en-US" smtClean="0"/>
-              <a:t>12/12/16</a:t>
+              <a:t>12/13/16</a:t>
             </a:fld>
             <a:endParaRPr lang="en-US"/>
           </a:p>
@@ -1033,7 +1033,7 @@
           <a:p>
             <a:fld id="{A5CA8D2D-2FB3-1F4F-A208-DE9D88035EAD}" type="datetimeFigureOut">
               <a:rPr lang="en-US" smtClean="0"/>
-              <a:t>12/12/16</a:t>
+              <a:t>12/13/16</a:t>
             </a:fld>
             <a:endParaRPr lang="en-US"/>
           </a:p>
@@ -1203,7 +1203,7 @@
           <a:p>
             <a:fld id="{A5CA8D2D-2FB3-1F4F-A208-DE9D88035EAD}" type="datetimeFigureOut">
               <a:rPr lang="en-US" smtClean="0"/>
-              <a:t>12/12/16</a:t>
+              <a:t>12/13/16</a:t>
             </a:fld>
             <a:endParaRPr lang="en-US"/>
           </a:p>
@@ -1449,7 +1449,7 @@
           <a:p>
             <a:fld id="{A5CA8D2D-2FB3-1F4F-A208-DE9D88035EAD}" type="datetimeFigureOut">
               <a:rPr lang="en-US" smtClean="0"/>
-              <a:t>12/12/16</a:t>
+              <a:t>12/13/16</a:t>
             </a:fld>
             <a:endParaRPr lang="en-US"/>
           </a:p>
@@ -1681,7 +1681,7 @@
           <a:p>
             <a:fld id="{A5CA8D2D-2FB3-1F4F-A208-DE9D88035EAD}" type="datetimeFigureOut">
               <a:rPr lang="en-US" smtClean="0"/>
-              <a:t>12/12/16</a:t>
+              <a:t>12/13/16</a:t>
             </a:fld>
             <a:endParaRPr lang="en-US"/>
           </a:p>
@@ -2048,7 +2048,7 @@
           <a:p>
             <a:fld id="{A5CA8D2D-2FB3-1F4F-A208-DE9D88035EAD}" type="datetimeFigureOut">
               <a:rPr lang="en-US" smtClean="0"/>
-              <a:t>12/12/16</a:t>
+              <a:t>12/13/16</a:t>
             </a:fld>
             <a:endParaRPr lang="en-US"/>
           </a:p>
@@ -2166,7 +2166,7 @@
           <a:p>
             <a:fld id="{A5CA8D2D-2FB3-1F4F-A208-DE9D88035EAD}" type="datetimeFigureOut">
               <a:rPr lang="en-US" smtClean="0"/>
-              <a:t>12/12/16</a:t>
+              <a:t>12/13/16</a:t>
             </a:fld>
             <a:endParaRPr lang="en-US"/>
           </a:p>
@@ -2261,7 +2261,7 @@
           <a:p>
             <a:fld id="{A5CA8D2D-2FB3-1F4F-A208-DE9D88035EAD}" type="datetimeFigureOut">
               <a:rPr lang="en-US" smtClean="0"/>
-              <a:t>12/12/16</a:t>
+              <a:t>12/13/16</a:t>
             </a:fld>
             <a:endParaRPr lang="en-US"/>
           </a:p>
@@ -2538,7 +2538,7 @@
           <a:p>
             <a:fld id="{A5CA8D2D-2FB3-1F4F-A208-DE9D88035EAD}" type="datetimeFigureOut">
               <a:rPr lang="en-US" smtClean="0"/>
-              <a:t>12/12/16</a:t>
+              <a:t>12/13/16</a:t>
             </a:fld>
             <a:endParaRPr lang="en-US"/>
           </a:p>
@@ -2791,7 +2791,7 @@
           <a:p>
             <a:fld id="{A5CA8D2D-2FB3-1F4F-A208-DE9D88035EAD}" type="datetimeFigureOut">
               <a:rPr lang="en-US" smtClean="0"/>
-              <a:t>12/12/16</a:t>
+              <a:t>12/13/16</a:t>
             </a:fld>
             <a:endParaRPr lang="en-US"/>
           </a:p>
@@ -3004,7 +3004,7 @@
           <a:p>
             <a:fld id="{A5CA8D2D-2FB3-1F4F-A208-DE9D88035EAD}" type="datetimeFigureOut">
               <a:rPr lang="en-US" smtClean="0"/>
-              <a:t>12/12/16</a:t>
+              <a:t>12/13/16</a:t>
             </a:fld>
             <a:endParaRPr lang="en-US"/>
           </a:p>
@@ -5264,6 +5264,75 @@
             <a:r>
               <a:rPr lang="en-US" baseline="-25000" dirty="0" smtClean="0"/>
               <a:t>g+1</a:t>
+            </a:r>
+            <a:endParaRPr lang="en-US" dirty="0"/>
+          </a:p>
+        </p:txBody>
+      </p:sp>
+      <p:cxnSp>
+        <p:nvCxnSpPr>
+          <p:cNvPr id="42" name="Straight Connector 41"/>
+          <p:cNvCxnSpPr/>
+          <p:nvPr/>
+        </p:nvCxnSpPr>
+        <p:spPr>
+          <a:xfrm>
+            <a:off x="8488368" y="2818775"/>
+            <a:ext cx="0" cy="688353"/>
+          </a:xfrm>
+          <a:prstGeom prst="line">
+            <a:avLst/>
+          </a:prstGeom>
+          <a:ln w="25400">
+            <a:solidFill>
+              <a:schemeClr val="tx1"/>
+            </a:solidFill>
+          </a:ln>
+        </p:spPr>
+        <p:style>
+          <a:lnRef idx="1">
+            <a:schemeClr val="accent1"/>
+          </a:lnRef>
+          <a:fillRef idx="0">
+            <a:schemeClr val="accent1"/>
+          </a:fillRef>
+          <a:effectRef idx="0">
+            <a:schemeClr val="accent1"/>
+          </a:effectRef>
+          <a:fontRef idx="minor">
+            <a:schemeClr val="tx1"/>
+          </a:fontRef>
+        </p:style>
+      </p:cxnSp>
+      <p:sp>
+        <p:nvSpPr>
+          <p:cNvPr id="46" name="TextBox 45"/>
+          <p:cNvSpPr txBox="1"/>
+          <p:nvPr/>
+        </p:nvSpPr>
+        <p:spPr>
+          <a:xfrm>
+            <a:off x="8311453" y="2441292"/>
+            <a:ext cx="327334" cy="369332"/>
+          </a:xfrm>
+          <a:prstGeom prst="rect">
+            <a:avLst/>
+          </a:prstGeom>
+          <a:noFill/>
+        </p:spPr>
+        <p:txBody>
+          <a:bodyPr wrap="none" rtlCol="0">
+            <a:spAutoFit/>
+          </a:bodyPr>
+          <a:lstStyle/>
+          <a:p>
+            <a:r>
+              <a:rPr lang="en-US" smtClean="0"/>
+              <a:t>S</a:t>
+            </a:r>
+            <a:r>
+              <a:rPr lang="en-US" baseline="-25000" smtClean="0"/>
+              <a:t>j</a:t>
             </a:r>
             <a:endParaRPr lang="en-US" dirty="0"/>
           </a:p>
